--- a/client/res/images.pptx
+++ b/client/res/images.pptx
@@ -7,12 +7,17 @@
   <p:sldIdLst>
     <p:sldId id="256" r:id="rId2"/>
     <p:sldId id="257" r:id="rId3"/>
-    <p:sldId id="260" r:id="rId4"/>
-    <p:sldId id="258" r:id="rId5"/>
-    <p:sldId id="259" r:id="rId6"/>
-    <p:sldId id="261" r:id="rId7"/>
-    <p:sldId id="262" r:id="rId8"/>
-    <p:sldId id="263" r:id="rId9"/>
+    <p:sldId id="265" r:id="rId4"/>
+    <p:sldId id="266" r:id="rId5"/>
+    <p:sldId id="267" r:id="rId6"/>
+    <p:sldId id="268" r:id="rId7"/>
+    <p:sldId id="264" r:id="rId8"/>
+    <p:sldId id="260" r:id="rId9"/>
+    <p:sldId id="258" r:id="rId10"/>
+    <p:sldId id="259" r:id="rId11"/>
+    <p:sldId id="261" r:id="rId12"/>
+    <p:sldId id="262" r:id="rId13"/>
+    <p:sldId id="263" r:id="rId14"/>
   </p:sldIdLst>
   <p:sldSz cx="12192000" cy="6858000"/>
   <p:notesSz cx="6858000" cy="9144000"/>
@@ -261,7 +266,7 @@
           <a:p>
             <a:fld id="{871AA689-9930-4637-87DF-B05BE32A8809}" type="datetimeFigureOut">
               <a:rPr lang="ko-KR" altLang="en-US" smtClean="0"/>
-              <a:t>2016-12-27</a:t>
+              <a:t>2016-12-28</a:t>
             </a:fld>
             <a:endParaRPr lang="ko-KR" altLang="en-US"/>
           </a:p>
@@ -431,7 +436,7 @@
           <a:p>
             <a:fld id="{871AA689-9930-4637-87DF-B05BE32A8809}" type="datetimeFigureOut">
               <a:rPr lang="ko-KR" altLang="en-US" smtClean="0"/>
-              <a:t>2016-12-27</a:t>
+              <a:t>2016-12-28</a:t>
             </a:fld>
             <a:endParaRPr lang="ko-KR" altLang="en-US"/>
           </a:p>
@@ -611,7 +616,7 @@
           <a:p>
             <a:fld id="{871AA689-9930-4637-87DF-B05BE32A8809}" type="datetimeFigureOut">
               <a:rPr lang="ko-KR" altLang="en-US" smtClean="0"/>
-              <a:t>2016-12-27</a:t>
+              <a:t>2016-12-28</a:t>
             </a:fld>
             <a:endParaRPr lang="ko-KR" altLang="en-US"/>
           </a:p>
@@ -781,7 +786,7 @@
           <a:p>
             <a:fld id="{871AA689-9930-4637-87DF-B05BE32A8809}" type="datetimeFigureOut">
               <a:rPr lang="ko-KR" altLang="en-US" smtClean="0"/>
-              <a:t>2016-12-27</a:t>
+              <a:t>2016-12-28</a:t>
             </a:fld>
             <a:endParaRPr lang="ko-KR" altLang="en-US"/>
           </a:p>
@@ -1027,7 +1032,7 @@
           <a:p>
             <a:fld id="{871AA689-9930-4637-87DF-B05BE32A8809}" type="datetimeFigureOut">
               <a:rPr lang="ko-KR" altLang="en-US" smtClean="0"/>
-              <a:t>2016-12-27</a:t>
+              <a:t>2016-12-28</a:t>
             </a:fld>
             <a:endParaRPr lang="ko-KR" altLang="en-US"/>
           </a:p>
@@ -1259,7 +1264,7 @@
           <a:p>
             <a:fld id="{871AA689-9930-4637-87DF-B05BE32A8809}" type="datetimeFigureOut">
               <a:rPr lang="ko-KR" altLang="en-US" smtClean="0"/>
-              <a:t>2016-12-27</a:t>
+              <a:t>2016-12-28</a:t>
             </a:fld>
             <a:endParaRPr lang="ko-KR" altLang="en-US"/>
           </a:p>
@@ -1626,7 +1631,7 @@
           <a:p>
             <a:fld id="{871AA689-9930-4637-87DF-B05BE32A8809}" type="datetimeFigureOut">
               <a:rPr lang="ko-KR" altLang="en-US" smtClean="0"/>
-              <a:t>2016-12-27</a:t>
+              <a:t>2016-12-28</a:t>
             </a:fld>
             <a:endParaRPr lang="ko-KR" altLang="en-US"/>
           </a:p>
@@ -1744,7 +1749,7 @@
           <a:p>
             <a:fld id="{871AA689-9930-4637-87DF-B05BE32A8809}" type="datetimeFigureOut">
               <a:rPr lang="ko-KR" altLang="en-US" smtClean="0"/>
-              <a:t>2016-12-27</a:t>
+              <a:t>2016-12-28</a:t>
             </a:fld>
             <a:endParaRPr lang="ko-KR" altLang="en-US"/>
           </a:p>
@@ -1839,7 +1844,7 @@
           <a:p>
             <a:fld id="{871AA689-9930-4637-87DF-B05BE32A8809}" type="datetimeFigureOut">
               <a:rPr lang="ko-KR" altLang="en-US" smtClean="0"/>
-              <a:t>2016-12-27</a:t>
+              <a:t>2016-12-28</a:t>
             </a:fld>
             <a:endParaRPr lang="ko-KR" altLang="en-US"/>
           </a:p>
@@ -2116,7 +2121,7 @@
           <a:p>
             <a:fld id="{871AA689-9930-4637-87DF-B05BE32A8809}" type="datetimeFigureOut">
               <a:rPr lang="ko-KR" altLang="en-US" smtClean="0"/>
-              <a:t>2016-12-27</a:t>
+              <a:t>2016-12-28</a:t>
             </a:fld>
             <a:endParaRPr lang="ko-KR" altLang="en-US"/>
           </a:p>
@@ -2373,7 +2378,7 @@
           <a:p>
             <a:fld id="{871AA689-9930-4637-87DF-B05BE32A8809}" type="datetimeFigureOut">
               <a:rPr lang="ko-KR" altLang="en-US" smtClean="0"/>
-              <a:t>2016-12-27</a:t>
+              <a:t>2016-12-28</a:t>
             </a:fld>
             <a:endParaRPr lang="ko-KR" altLang="en-US"/>
           </a:p>
@@ -2586,7 +2591,7 @@
           <a:p>
             <a:fld id="{871AA689-9930-4637-87DF-B05BE32A8809}" type="datetimeFigureOut">
               <a:rPr lang="ko-KR" altLang="en-US" smtClean="0"/>
-              <a:t>2016-12-27</a:t>
+              <a:t>2016-12-28</a:t>
             </a:fld>
             <a:endParaRPr lang="ko-KR" altLang="en-US"/>
           </a:p>
@@ -3143,7 +3148,1028 @@
 </p:sld>
 </file>
 
+<file path=ppt/slides/slide10.xml><?xml version="1.0" encoding="utf-8"?>
+<p:sld xmlns:a="http://schemas.openxmlformats.org/drawingml/2006/main" xmlns:r="http://schemas.openxmlformats.org/officeDocument/2006/relationships" xmlns:p="http://schemas.openxmlformats.org/presentationml/2006/main">
+  <p:cSld>
+    <p:spTree>
+      <p:nvGrpSpPr>
+        <p:cNvPr id="1" name=""/>
+        <p:cNvGrpSpPr/>
+        <p:nvPr/>
+      </p:nvGrpSpPr>
+      <p:grpSpPr>
+        <a:xfrm>
+          <a:off x="0" y="0"/>
+          <a:ext cx="0" cy="0"/>
+          <a:chOff x="0" y="0"/>
+          <a:chExt cx="0" cy="0"/>
+        </a:xfrm>
+      </p:grpSpPr>
+      <p:grpSp>
+        <p:nvGrpSpPr>
+          <p:cNvPr id="10" name="그룹 9"/>
+          <p:cNvGrpSpPr/>
+          <p:nvPr/>
+        </p:nvGrpSpPr>
+        <p:grpSpPr>
+          <a:xfrm>
+            <a:off x="-2765439" y="-3215148"/>
+            <a:ext cx="17722878" cy="13288296"/>
+            <a:chOff x="1522671" y="0"/>
+            <a:chExt cx="9146658" cy="6858000"/>
+          </a:xfrm>
+        </p:grpSpPr>
+        <p:pic>
+          <p:nvPicPr>
+            <p:cNvPr id="8" name="그림 7"/>
+            <p:cNvPicPr>
+              <a:picLocks noChangeAspect="1"/>
+            </p:cNvPicPr>
+            <p:nvPr/>
+          </p:nvPicPr>
+          <p:blipFill>
+            <a:blip r:embed="rId2">
+              <a:extLst>
+                <a:ext uri="{28A0092B-C50C-407E-A947-70E740481C1C}">
+                  <a14:useLocalDpi xmlns:a14="http://schemas.microsoft.com/office/drawing/2010/main" val="0"/>
+                </a:ext>
+              </a:extLst>
+            </a:blip>
+            <a:stretch>
+              <a:fillRect/>
+            </a:stretch>
+          </p:blipFill>
+          <p:spPr>
+            <a:xfrm>
+              <a:off x="1522671" y="0"/>
+              <a:ext cx="9146658" cy="6858000"/>
+            </a:xfrm>
+            <a:prstGeom prst="rect">
+              <a:avLst/>
+            </a:prstGeom>
+            <a:ln>
+              <a:noFill/>
+            </a:ln>
+          </p:spPr>
+        </p:pic>
+        <p:sp>
+          <p:nvSpPr>
+            <p:cNvPr id="9" name="직사각형 8"/>
+            <p:cNvSpPr/>
+            <p:nvPr/>
+          </p:nvSpPr>
+          <p:spPr>
+            <a:xfrm flipV="1">
+              <a:off x="1522671" y="0"/>
+              <a:ext cx="9146658" cy="6858000"/>
+            </a:xfrm>
+            <a:prstGeom prst="rect">
+              <a:avLst/>
+            </a:prstGeom>
+            <a:solidFill>
+              <a:schemeClr val="tx1">
+                <a:alpha val="50000"/>
+              </a:schemeClr>
+            </a:solidFill>
+            <a:ln>
+              <a:noFill/>
+            </a:ln>
+          </p:spPr>
+          <p:style>
+            <a:lnRef idx="2">
+              <a:schemeClr val="accent1">
+                <a:shade val="50000"/>
+              </a:schemeClr>
+            </a:lnRef>
+            <a:fillRef idx="1">
+              <a:schemeClr val="accent1"/>
+            </a:fillRef>
+            <a:effectRef idx="0">
+              <a:schemeClr val="accent1"/>
+            </a:effectRef>
+            <a:fontRef idx="minor">
+              <a:schemeClr val="lt1"/>
+            </a:fontRef>
+          </p:style>
+          <p:txBody>
+            <a:bodyPr rtlCol="0" anchor="ctr"/>
+            <a:lstStyle/>
+            <a:p>
+              <a:pPr algn="ctr"/>
+              <a:endParaRPr lang="ko-KR" altLang="en-US" dirty="0"/>
+            </a:p>
+          </p:txBody>
+        </p:sp>
+      </p:grpSp>
+    </p:spTree>
+    <p:extLst>
+      <p:ext uri="{BB962C8B-B14F-4D97-AF65-F5344CB8AC3E}">
+        <p14:creationId xmlns:p14="http://schemas.microsoft.com/office/powerpoint/2010/main" val="3283394014"/>
+      </p:ext>
+    </p:extLst>
+  </p:cSld>
+  <p:clrMapOvr>
+    <a:masterClrMapping/>
+  </p:clrMapOvr>
+</p:sld>
+</file>
+
+<file path=ppt/slides/slide11.xml><?xml version="1.0" encoding="utf-8"?>
+<p:sld xmlns:a="http://schemas.openxmlformats.org/drawingml/2006/main" xmlns:r="http://schemas.openxmlformats.org/officeDocument/2006/relationships" xmlns:p="http://schemas.openxmlformats.org/presentationml/2006/main">
+  <p:cSld>
+    <p:spTree>
+      <p:nvGrpSpPr>
+        <p:cNvPr id="1" name=""/>
+        <p:cNvGrpSpPr/>
+        <p:nvPr/>
+      </p:nvGrpSpPr>
+      <p:grpSpPr>
+        <a:xfrm>
+          <a:off x="0" y="0"/>
+          <a:ext cx="0" cy="0"/>
+          <a:chOff x="0" y="0"/>
+          <a:chExt cx="0" cy="0"/>
+        </a:xfrm>
+      </p:grpSpPr>
+      <p:grpSp>
+        <p:nvGrpSpPr>
+          <p:cNvPr id="6" name="그룹 5"/>
+          <p:cNvGrpSpPr/>
+          <p:nvPr/>
+        </p:nvGrpSpPr>
+        <p:grpSpPr>
+          <a:xfrm>
+            <a:off x="-4741332" y="-2667000"/>
+            <a:ext cx="21674664" cy="12192000"/>
+            <a:chOff x="-4165599" y="-2343150"/>
+            <a:chExt cx="20523198" cy="11544300"/>
+          </a:xfrm>
+        </p:grpSpPr>
+        <p:pic>
+          <p:nvPicPr>
+            <p:cNvPr id="2" name="그림 1"/>
+            <p:cNvPicPr>
+              <a:picLocks noChangeAspect="1"/>
+            </p:cNvPicPr>
+            <p:nvPr/>
+          </p:nvPicPr>
+          <p:blipFill>
+            <a:blip r:embed="rId2"/>
+            <a:stretch>
+              <a:fillRect/>
+            </a:stretch>
+          </p:blipFill>
+          <p:spPr>
+            <a:xfrm>
+              <a:off x="-4165599" y="-2343150"/>
+              <a:ext cx="20523198" cy="11544300"/>
+            </a:xfrm>
+            <a:prstGeom prst="rect">
+              <a:avLst/>
+            </a:prstGeom>
+          </p:spPr>
+        </p:pic>
+        <p:sp>
+          <p:nvSpPr>
+            <p:cNvPr id="5" name="직사각형 4"/>
+            <p:cNvSpPr/>
+            <p:nvPr/>
+          </p:nvSpPr>
+          <p:spPr>
+            <a:xfrm flipV="1">
+              <a:off x="-4165599" y="-2343150"/>
+              <a:ext cx="20523198" cy="11544300"/>
+            </a:xfrm>
+            <a:prstGeom prst="rect">
+              <a:avLst/>
+            </a:prstGeom>
+            <a:solidFill>
+              <a:schemeClr val="tx1">
+                <a:alpha val="50000"/>
+              </a:schemeClr>
+            </a:solidFill>
+            <a:ln>
+              <a:noFill/>
+            </a:ln>
+          </p:spPr>
+          <p:style>
+            <a:lnRef idx="2">
+              <a:schemeClr val="accent1">
+                <a:shade val="50000"/>
+              </a:schemeClr>
+            </a:lnRef>
+            <a:fillRef idx="1">
+              <a:schemeClr val="accent1"/>
+            </a:fillRef>
+            <a:effectRef idx="0">
+              <a:schemeClr val="accent1"/>
+            </a:effectRef>
+            <a:fontRef idx="minor">
+              <a:schemeClr val="lt1"/>
+            </a:fontRef>
+          </p:style>
+          <p:txBody>
+            <a:bodyPr rtlCol="0" anchor="ctr"/>
+            <a:lstStyle/>
+            <a:p>
+              <a:pPr algn="ctr"/>
+              <a:endParaRPr lang="ko-KR" altLang="en-US"/>
+            </a:p>
+          </p:txBody>
+        </p:sp>
+      </p:grpSp>
+    </p:spTree>
+    <p:extLst>
+      <p:ext uri="{BB962C8B-B14F-4D97-AF65-F5344CB8AC3E}">
+        <p14:creationId xmlns:p14="http://schemas.microsoft.com/office/powerpoint/2010/main" val="3003860134"/>
+      </p:ext>
+    </p:extLst>
+  </p:cSld>
+  <p:clrMapOvr>
+    <a:masterClrMapping/>
+  </p:clrMapOvr>
+</p:sld>
+</file>
+
+<file path=ppt/slides/slide12.xml><?xml version="1.0" encoding="utf-8"?>
+<p:sld xmlns:a="http://schemas.openxmlformats.org/drawingml/2006/main" xmlns:r="http://schemas.openxmlformats.org/officeDocument/2006/relationships" xmlns:p="http://schemas.openxmlformats.org/presentationml/2006/main">
+  <p:cSld>
+    <p:spTree>
+      <p:nvGrpSpPr>
+        <p:cNvPr id="1" name=""/>
+        <p:cNvGrpSpPr/>
+        <p:nvPr/>
+      </p:nvGrpSpPr>
+      <p:grpSpPr>
+        <a:xfrm>
+          <a:off x="0" y="0"/>
+          <a:ext cx="0" cy="0"/>
+          <a:chOff x="0" y="0"/>
+          <a:chExt cx="0" cy="0"/>
+        </a:xfrm>
+      </p:grpSpPr>
+      <p:grpSp>
+        <p:nvGrpSpPr>
+          <p:cNvPr id="3" name="그룹 2"/>
+          <p:cNvGrpSpPr/>
+          <p:nvPr/>
+        </p:nvGrpSpPr>
+        <p:grpSpPr>
+          <a:xfrm>
+            <a:off x="-4248151" y="-3245559"/>
+            <a:ext cx="20688302" cy="13276094"/>
+            <a:chOff x="-3675591" y="-857250"/>
+            <a:chExt cx="16594390" cy="10648950"/>
+          </a:xfrm>
+        </p:grpSpPr>
+        <p:pic>
+          <p:nvPicPr>
+            <p:cNvPr id="2" name="그림 1"/>
+            <p:cNvPicPr>
+              <a:picLocks noChangeAspect="1"/>
+            </p:cNvPicPr>
+            <p:nvPr/>
+          </p:nvPicPr>
+          <p:blipFill rotWithShape="1">
+            <a:blip r:embed="rId2"/>
+            <a:srcRect t="12656" r="23439"/>
+            <a:stretch/>
+          </p:blipFill>
+          <p:spPr>
+            <a:xfrm>
+              <a:off x="-3675591" y="-857250"/>
+              <a:ext cx="16594390" cy="10648950"/>
+            </a:xfrm>
+            <a:prstGeom prst="rect">
+              <a:avLst/>
+            </a:prstGeom>
+          </p:spPr>
+        </p:pic>
+        <p:sp>
+          <p:nvSpPr>
+            <p:cNvPr id="5" name="직사각형 4"/>
+            <p:cNvSpPr/>
+            <p:nvPr/>
+          </p:nvSpPr>
+          <p:spPr>
+            <a:xfrm flipV="1">
+              <a:off x="-3675591" y="-857250"/>
+              <a:ext cx="16594390" cy="10648950"/>
+            </a:xfrm>
+            <a:prstGeom prst="rect">
+              <a:avLst/>
+            </a:prstGeom>
+            <a:solidFill>
+              <a:schemeClr val="tx1">
+                <a:alpha val="50000"/>
+              </a:schemeClr>
+            </a:solidFill>
+            <a:ln>
+              <a:noFill/>
+            </a:ln>
+          </p:spPr>
+          <p:style>
+            <a:lnRef idx="2">
+              <a:schemeClr val="accent1">
+                <a:shade val="50000"/>
+              </a:schemeClr>
+            </a:lnRef>
+            <a:fillRef idx="1">
+              <a:schemeClr val="accent1"/>
+            </a:fillRef>
+            <a:effectRef idx="0">
+              <a:schemeClr val="accent1"/>
+            </a:effectRef>
+            <a:fontRef idx="minor">
+              <a:schemeClr val="lt1"/>
+            </a:fontRef>
+          </p:style>
+          <p:txBody>
+            <a:bodyPr rtlCol="0" anchor="ctr"/>
+            <a:lstStyle/>
+            <a:p>
+              <a:pPr algn="ctr"/>
+              <a:endParaRPr lang="ko-KR" altLang="en-US"/>
+            </a:p>
+          </p:txBody>
+        </p:sp>
+      </p:grpSp>
+    </p:spTree>
+    <p:extLst>
+      <p:ext uri="{BB962C8B-B14F-4D97-AF65-F5344CB8AC3E}">
+        <p14:creationId xmlns:p14="http://schemas.microsoft.com/office/powerpoint/2010/main" val="601158673"/>
+      </p:ext>
+    </p:extLst>
+  </p:cSld>
+  <p:clrMapOvr>
+    <a:masterClrMapping/>
+  </p:clrMapOvr>
+</p:sld>
+</file>
+
+<file path=ppt/slides/slide13.xml><?xml version="1.0" encoding="utf-8"?>
+<p:sld xmlns:a="http://schemas.openxmlformats.org/drawingml/2006/main" xmlns:r="http://schemas.openxmlformats.org/officeDocument/2006/relationships" xmlns:p="http://schemas.openxmlformats.org/presentationml/2006/main">
+  <p:cSld>
+    <p:spTree>
+      <p:nvGrpSpPr>
+        <p:cNvPr id="1" name=""/>
+        <p:cNvGrpSpPr/>
+        <p:nvPr/>
+      </p:nvGrpSpPr>
+      <p:grpSpPr>
+        <a:xfrm>
+          <a:off x="0" y="0"/>
+          <a:ext cx="0" cy="0"/>
+          <a:chOff x="0" y="0"/>
+          <a:chExt cx="0" cy="0"/>
+        </a:xfrm>
+      </p:grpSpPr>
+      <p:grpSp>
+        <p:nvGrpSpPr>
+          <p:cNvPr id="2" name="그룹 1"/>
+          <p:cNvGrpSpPr/>
+          <p:nvPr/>
+        </p:nvGrpSpPr>
+        <p:grpSpPr>
+          <a:xfrm>
+            <a:off x="-4838700" y="-4810125"/>
+            <a:ext cx="21869400" cy="16403638"/>
+            <a:chOff x="-4838700" y="-4810125"/>
+            <a:chExt cx="21869400" cy="16403638"/>
+          </a:xfrm>
+        </p:grpSpPr>
+        <p:pic>
+          <p:nvPicPr>
+            <p:cNvPr id="1028" name="Picture 4" descr="자동 대체 텍스트를 사용할 수 없습니다."/>
+            <p:cNvPicPr>
+              <a:picLocks noChangeAspect="1" noChangeArrowheads="1"/>
+            </p:cNvPicPr>
+            <p:nvPr/>
+          </p:nvPicPr>
+          <p:blipFill>
+            <a:blip r:embed="rId2">
+              <a:extLst>
+                <a:ext uri="{28A0092B-C50C-407E-A947-70E740481C1C}">
+                  <a14:useLocalDpi xmlns:a14="http://schemas.microsoft.com/office/drawing/2010/main" val="0"/>
+                </a:ext>
+              </a:extLst>
+            </a:blip>
+            <a:srcRect/>
+            <a:stretch>
+              <a:fillRect/>
+            </a:stretch>
+          </p:blipFill>
+          <p:spPr bwMode="auto">
+            <a:xfrm>
+              <a:off x="-4838700" y="-4810125"/>
+              <a:ext cx="21869400" cy="16402050"/>
+            </a:xfrm>
+            <a:prstGeom prst="rect">
+              <a:avLst/>
+            </a:prstGeom>
+            <a:noFill/>
+            <a:extLst>
+              <a:ext uri="{909E8E84-426E-40DD-AFC4-6F175D3DCCD1}">
+                <a14:hiddenFill xmlns:a14="http://schemas.microsoft.com/office/drawing/2010/main">
+                  <a:solidFill>
+                    <a:srgbClr val="FFFFFF"/>
+                  </a:solidFill>
+                </a14:hiddenFill>
+              </a:ext>
+            </a:extLst>
+          </p:spPr>
+        </p:pic>
+        <p:sp>
+          <p:nvSpPr>
+            <p:cNvPr id="6" name="직사각형 5"/>
+            <p:cNvSpPr/>
+            <p:nvPr/>
+          </p:nvSpPr>
+          <p:spPr>
+            <a:xfrm flipV="1">
+              <a:off x="-4838700" y="-4808537"/>
+              <a:ext cx="21869399" cy="16402050"/>
+            </a:xfrm>
+            <a:prstGeom prst="rect">
+              <a:avLst/>
+            </a:prstGeom>
+            <a:solidFill>
+              <a:schemeClr val="tx1">
+                <a:alpha val="50000"/>
+              </a:schemeClr>
+            </a:solidFill>
+            <a:ln>
+              <a:noFill/>
+            </a:ln>
+          </p:spPr>
+          <p:style>
+            <a:lnRef idx="2">
+              <a:schemeClr val="accent1">
+                <a:shade val="50000"/>
+              </a:schemeClr>
+            </a:lnRef>
+            <a:fillRef idx="1">
+              <a:schemeClr val="accent1"/>
+            </a:fillRef>
+            <a:effectRef idx="0">
+              <a:schemeClr val="accent1"/>
+            </a:effectRef>
+            <a:fontRef idx="minor">
+              <a:schemeClr val="lt1"/>
+            </a:fontRef>
+          </p:style>
+          <p:txBody>
+            <a:bodyPr rtlCol="0" anchor="ctr"/>
+            <a:lstStyle/>
+            <a:p>
+              <a:pPr algn="ctr"/>
+              <a:endParaRPr lang="ko-KR" altLang="en-US" dirty="0"/>
+            </a:p>
+          </p:txBody>
+        </p:sp>
+      </p:grpSp>
+    </p:spTree>
+    <p:extLst>
+      <p:ext uri="{BB962C8B-B14F-4D97-AF65-F5344CB8AC3E}">
+        <p14:creationId xmlns:p14="http://schemas.microsoft.com/office/powerpoint/2010/main" val="389242269"/>
+      </p:ext>
+    </p:extLst>
+  </p:cSld>
+  <p:clrMapOvr>
+    <a:masterClrMapping/>
+  </p:clrMapOvr>
+</p:sld>
+</file>
+
 <file path=ppt/slides/slide2.xml><?xml version="1.0" encoding="utf-8"?>
+<p:sld xmlns:a="http://schemas.openxmlformats.org/drawingml/2006/main" xmlns:r="http://schemas.openxmlformats.org/officeDocument/2006/relationships" xmlns:p="http://schemas.openxmlformats.org/presentationml/2006/main">
+  <p:cSld>
+    <p:spTree>
+      <p:nvGrpSpPr>
+        <p:cNvPr id="1" name=""/>
+        <p:cNvGrpSpPr/>
+        <p:nvPr/>
+      </p:nvGrpSpPr>
+      <p:grpSpPr>
+        <a:xfrm>
+          <a:off x="0" y="0"/>
+          <a:ext cx="0" cy="0"/>
+          <a:chOff x="0" y="0"/>
+          <a:chExt cx="0" cy="0"/>
+        </a:xfrm>
+      </p:grpSpPr>
+      <p:pic>
+        <p:nvPicPr>
+          <p:cNvPr id="2050" name="Picture 2" descr="ES6에 대한 이미지 검색결과"/>
+          <p:cNvPicPr>
+            <a:picLocks noChangeAspect="1" noChangeArrowheads="1"/>
+          </p:cNvPicPr>
+          <p:nvPr/>
+        </p:nvPicPr>
+        <p:blipFill>
+          <a:blip r:embed="rId2">
+            <a:extLst>
+              <a:ext uri="{28A0092B-C50C-407E-A947-70E740481C1C}">
+                <a14:useLocalDpi xmlns:a14="http://schemas.microsoft.com/office/drawing/2010/main" val="0"/>
+              </a:ext>
+            </a:extLst>
+          </a:blip>
+          <a:srcRect/>
+          <a:stretch>
+            <a:fillRect/>
+          </a:stretch>
+        </p:blipFill>
+        <p:spPr bwMode="auto">
+          <a:xfrm>
+            <a:off x="303184" y="6926730"/>
+            <a:ext cx="12192000" cy="6858000"/>
+          </a:xfrm>
+          <a:prstGeom prst="rect">
+            <a:avLst/>
+          </a:prstGeom>
+          <a:noFill/>
+          <a:extLst>
+            <a:ext uri="{909E8E84-426E-40DD-AFC4-6F175D3DCCD1}">
+              <a14:hiddenFill xmlns:a14="http://schemas.microsoft.com/office/drawing/2010/main">
+                <a:solidFill>
+                  <a:srgbClr val="FFFFFF"/>
+                </a:solidFill>
+              </a14:hiddenFill>
+            </a:ext>
+          </a:extLst>
+        </p:spPr>
+      </p:pic>
+    </p:spTree>
+    <p:extLst>
+      <p:ext uri="{BB962C8B-B14F-4D97-AF65-F5344CB8AC3E}">
+        <p14:creationId xmlns:p14="http://schemas.microsoft.com/office/powerpoint/2010/main" val="585176775"/>
+      </p:ext>
+    </p:extLst>
+  </p:cSld>
+  <p:clrMapOvr>
+    <a:masterClrMapping/>
+  </p:clrMapOvr>
+</p:sld>
+</file>
+
+<file path=ppt/slides/slide3.xml><?xml version="1.0" encoding="utf-8"?>
+<p:sld xmlns:a="http://schemas.openxmlformats.org/drawingml/2006/main" xmlns:r="http://schemas.openxmlformats.org/officeDocument/2006/relationships" xmlns:p="http://schemas.openxmlformats.org/presentationml/2006/main">
+  <p:cSld>
+    <p:spTree>
+      <p:nvGrpSpPr>
+        <p:cNvPr id="1" name=""/>
+        <p:cNvGrpSpPr/>
+        <p:nvPr/>
+      </p:nvGrpSpPr>
+      <p:grpSpPr>
+        <a:xfrm>
+          <a:off x="0" y="0"/>
+          <a:ext cx="0" cy="0"/>
+          <a:chOff x="0" y="0"/>
+          <a:chExt cx="0" cy="0"/>
+        </a:xfrm>
+      </p:grpSpPr>
+      <p:pic>
+        <p:nvPicPr>
+          <p:cNvPr id="2050" name="Picture 2" descr="ES6에 대한 이미지 검색결과"/>
+          <p:cNvPicPr>
+            <a:picLocks noChangeAspect="1" noChangeArrowheads="1"/>
+          </p:cNvPicPr>
+          <p:nvPr/>
+        </p:nvPicPr>
+        <p:blipFill>
+          <a:blip r:embed="rId2">
+            <a:extLst>
+              <a:ext uri="{28A0092B-C50C-407E-A947-70E740481C1C}">
+                <a14:useLocalDpi xmlns:a14="http://schemas.microsoft.com/office/drawing/2010/main" val="0"/>
+              </a:ext>
+            </a:extLst>
+          </a:blip>
+          <a:srcRect/>
+          <a:stretch>
+            <a:fillRect/>
+          </a:stretch>
+        </p:blipFill>
+        <p:spPr bwMode="auto">
+          <a:xfrm>
+            <a:off x="303184" y="6926730"/>
+            <a:ext cx="12192000" cy="6858000"/>
+          </a:xfrm>
+          <a:prstGeom prst="rect">
+            <a:avLst/>
+          </a:prstGeom>
+          <a:noFill/>
+          <a:extLst>
+            <a:ext uri="{909E8E84-426E-40DD-AFC4-6F175D3DCCD1}">
+              <a14:hiddenFill xmlns:a14="http://schemas.microsoft.com/office/drawing/2010/main">
+                <a:solidFill>
+                  <a:srgbClr val="FFFFFF"/>
+                </a:solidFill>
+              </a14:hiddenFill>
+            </a:ext>
+          </a:extLst>
+        </p:spPr>
+      </p:pic>
+    </p:spTree>
+    <p:extLst>
+      <p:ext uri="{BB962C8B-B14F-4D97-AF65-F5344CB8AC3E}">
+        <p14:creationId xmlns:p14="http://schemas.microsoft.com/office/powerpoint/2010/main" val="1242919618"/>
+      </p:ext>
+    </p:extLst>
+  </p:cSld>
+  <p:clrMapOvr>
+    <a:masterClrMapping/>
+  </p:clrMapOvr>
+</p:sld>
+</file>
+
+<file path=ppt/slides/slide4.xml><?xml version="1.0" encoding="utf-8"?>
+<p:sld xmlns:a="http://schemas.openxmlformats.org/drawingml/2006/main" xmlns:r="http://schemas.openxmlformats.org/officeDocument/2006/relationships" xmlns:p="http://schemas.openxmlformats.org/presentationml/2006/main">
+  <p:cSld>
+    <p:spTree>
+      <p:nvGrpSpPr>
+        <p:cNvPr id="1" name=""/>
+        <p:cNvGrpSpPr/>
+        <p:nvPr/>
+      </p:nvGrpSpPr>
+      <p:grpSpPr>
+        <a:xfrm>
+          <a:off x="0" y="0"/>
+          <a:ext cx="0" cy="0"/>
+          <a:chOff x="0" y="0"/>
+          <a:chExt cx="0" cy="0"/>
+        </a:xfrm>
+      </p:grpSpPr>
+      <p:pic>
+        <p:nvPicPr>
+          <p:cNvPr id="2050" name="Picture 2" descr="ES6에 대한 이미지 검색결과"/>
+          <p:cNvPicPr>
+            <a:picLocks noChangeAspect="1" noChangeArrowheads="1"/>
+          </p:cNvPicPr>
+          <p:nvPr/>
+        </p:nvPicPr>
+        <p:blipFill>
+          <a:blip r:embed="rId2">
+            <a:extLst>
+              <a:ext uri="{28A0092B-C50C-407E-A947-70E740481C1C}">
+                <a14:useLocalDpi xmlns:a14="http://schemas.microsoft.com/office/drawing/2010/main" val="0"/>
+              </a:ext>
+            </a:extLst>
+          </a:blip>
+          <a:srcRect/>
+          <a:stretch>
+            <a:fillRect/>
+          </a:stretch>
+        </p:blipFill>
+        <p:spPr bwMode="auto">
+          <a:xfrm>
+            <a:off x="303184" y="6926730"/>
+            <a:ext cx="12192000" cy="6858000"/>
+          </a:xfrm>
+          <a:prstGeom prst="rect">
+            <a:avLst/>
+          </a:prstGeom>
+          <a:noFill/>
+          <a:extLst>
+            <a:ext uri="{909E8E84-426E-40DD-AFC4-6F175D3DCCD1}">
+              <a14:hiddenFill xmlns:a14="http://schemas.microsoft.com/office/drawing/2010/main">
+                <a:solidFill>
+                  <a:srgbClr val="FFFFFF"/>
+                </a:solidFill>
+              </a14:hiddenFill>
+            </a:ext>
+          </a:extLst>
+        </p:spPr>
+      </p:pic>
+    </p:spTree>
+    <p:extLst>
+      <p:ext uri="{BB962C8B-B14F-4D97-AF65-F5344CB8AC3E}">
+        <p14:creationId xmlns:p14="http://schemas.microsoft.com/office/powerpoint/2010/main" val="2538572052"/>
+      </p:ext>
+    </p:extLst>
+  </p:cSld>
+  <p:clrMapOvr>
+    <a:masterClrMapping/>
+  </p:clrMapOvr>
+</p:sld>
+</file>
+
+<file path=ppt/slides/slide5.xml><?xml version="1.0" encoding="utf-8"?>
+<p:sld xmlns:a="http://schemas.openxmlformats.org/drawingml/2006/main" xmlns:r="http://schemas.openxmlformats.org/officeDocument/2006/relationships" xmlns:p="http://schemas.openxmlformats.org/presentationml/2006/main">
+  <p:cSld>
+    <p:spTree>
+      <p:nvGrpSpPr>
+        <p:cNvPr id="1" name=""/>
+        <p:cNvGrpSpPr/>
+        <p:nvPr/>
+      </p:nvGrpSpPr>
+      <p:grpSpPr>
+        <a:xfrm>
+          <a:off x="0" y="0"/>
+          <a:ext cx="0" cy="0"/>
+          <a:chOff x="0" y="0"/>
+          <a:chExt cx="0" cy="0"/>
+        </a:xfrm>
+      </p:grpSpPr>
+      <p:pic>
+        <p:nvPicPr>
+          <p:cNvPr id="3" name="Picture 2" descr="ES6에 대한 이미지 검색결과"/>
+          <p:cNvPicPr>
+            <a:picLocks noChangeAspect="1" noChangeArrowheads="1"/>
+          </p:cNvPicPr>
+          <p:nvPr/>
+        </p:nvPicPr>
+        <p:blipFill rotWithShape="1">
+          <a:blip r:embed="rId2">
+            <a:extLst>
+              <a:ext uri="{BEBA8EAE-BF5A-486C-A8C5-ECC9F3942E4B}">
+                <a14:imgProps xmlns:a14="http://schemas.microsoft.com/office/drawing/2010/main">
+                  <a14:imgLayer r:embed="rId3">
+                    <a14:imgEffect>
+                      <a14:backgroundRemoval t="10000" b="95278" l="8672" r="90000">
+                        <a14:backgroundMark x1="51797" y1="14028" x2="58203" y2="18194"/>
+                      </a14:backgroundRemoval>
+                    </a14:imgEffect>
+                  </a14:imgLayer>
+                </a14:imgProps>
+              </a:ext>
+              <a:ext uri="{28A0092B-C50C-407E-A947-70E740481C1C}">
+                <a14:useLocalDpi xmlns:a14="http://schemas.microsoft.com/office/drawing/2010/main" val="0"/>
+              </a:ext>
+            </a:extLst>
+          </a:blip>
+          <a:srcRect l="7738" t="8889" r="44048" b="5820"/>
+          <a:stretch/>
+        </p:blipFill>
+        <p:spPr bwMode="auto">
+          <a:xfrm>
+            <a:off x="1224782" y="1132114"/>
+            <a:ext cx="1808704" cy="1799772"/>
+          </a:xfrm>
+          <a:prstGeom prst="rect">
+            <a:avLst/>
+          </a:prstGeom>
+          <a:noFill/>
+          <a:extLst>
+            <a:ext uri="{909E8E84-426E-40DD-AFC4-6F175D3DCCD1}">
+              <a14:hiddenFill xmlns:a14="http://schemas.microsoft.com/office/drawing/2010/main">
+                <a:solidFill>
+                  <a:srgbClr val="FFFFFF"/>
+                </a:solidFill>
+              </a14:hiddenFill>
+            </a:ext>
+          </a:extLst>
+        </p:spPr>
+      </p:pic>
+      <p:pic>
+        <p:nvPicPr>
+          <p:cNvPr id="4098" name="Picture 2" descr="관련 이미지"/>
+          <p:cNvPicPr>
+            <a:picLocks noChangeAspect="1" noChangeArrowheads="1"/>
+          </p:cNvPicPr>
+          <p:nvPr/>
+        </p:nvPicPr>
+        <p:blipFill>
+          <a:blip r:embed="rId4">
+            <a:extLst>
+              <a:ext uri="{28A0092B-C50C-407E-A947-70E740481C1C}">
+                <a14:useLocalDpi xmlns:a14="http://schemas.microsoft.com/office/drawing/2010/main" val="0"/>
+              </a:ext>
+            </a:extLst>
+          </a:blip>
+          <a:srcRect/>
+          <a:stretch>
+            <a:fillRect/>
+          </a:stretch>
+        </p:blipFill>
+        <p:spPr bwMode="auto">
+          <a:xfrm>
+            <a:off x="3222172" y="1132114"/>
+            <a:ext cx="1472293" cy="1604799"/>
+          </a:xfrm>
+          <a:prstGeom prst="rect">
+            <a:avLst/>
+          </a:prstGeom>
+          <a:noFill/>
+          <a:extLst>
+            <a:ext uri="{909E8E84-426E-40DD-AFC4-6F175D3DCCD1}">
+              <a14:hiddenFill xmlns:a14="http://schemas.microsoft.com/office/drawing/2010/main">
+                <a:solidFill>
+                  <a:srgbClr val="FFFFFF"/>
+                </a:solidFill>
+              </a14:hiddenFill>
+            </a:ext>
+          </a:extLst>
+        </p:spPr>
+      </p:pic>
+      <p:pic>
+        <p:nvPicPr>
+          <p:cNvPr id="4100" name="Picture 4" descr="penguin linux에 대한 이미지 검색결과"/>
+          <p:cNvPicPr>
+            <a:picLocks noChangeAspect="1" noChangeArrowheads="1"/>
+          </p:cNvPicPr>
+          <p:nvPr/>
+        </p:nvPicPr>
+        <p:blipFill>
+          <a:blip r:embed="rId5">
+            <a:extLst>
+              <a:ext uri="{28A0092B-C50C-407E-A947-70E740481C1C}">
+                <a14:useLocalDpi xmlns:a14="http://schemas.microsoft.com/office/drawing/2010/main" val="0"/>
+              </a:ext>
+            </a:extLst>
+          </a:blip>
+          <a:srcRect/>
+          <a:stretch>
+            <a:fillRect/>
+          </a:stretch>
+        </p:blipFill>
+        <p:spPr bwMode="auto">
+          <a:xfrm>
+            <a:off x="4883151" y="1132114"/>
+            <a:ext cx="1790216" cy="2109584"/>
+          </a:xfrm>
+          <a:prstGeom prst="rect">
+            <a:avLst/>
+          </a:prstGeom>
+          <a:noFill/>
+          <a:extLst>
+            <a:ext uri="{909E8E84-426E-40DD-AFC4-6F175D3DCCD1}">
+              <a14:hiddenFill xmlns:a14="http://schemas.microsoft.com/office/drawing/2010/main">
+                <a:solidFill>
+                  <a:srgbClr val="FFFFFF"/>
+                </a:solidFill>
+              </a14:hiddenFill>
+            </a:ext>
+          </a:extLst>
+        </p:spPr>
+      </p:pic>
+      <p:pic>
+        <p:nvPicPr>
+          <p:cNvPr id="4102" name="Picture 6" descr="관련 이미지"/>
+          <p:cNvPicPr>
+            <a:picLocks noChangeAspect="1" noChangeArrowheads="1"/>
+          </p:cNvPicPr>
+          <p:nvPr/>
+        </p:nvPicPr>
+        <p:blipFill>
+          <a:blip r:embed="rId6">
+            <a:extLst>
+              <a:ext uri="{28A0092B-C50C-407E-A947-70E740481C1C}">
+                <a14:useLocalDpi xmlns:a14="http://schemas.microsoft.com/office/drawing/2010/main" val="0"/>
+              </a:ext>
+            </a:extLst>
+          </a:blip>
+          <a:srcRect/>
+          <a:stretch>
+            <a:fillRect/>
+          </a:stretch>
+        </p:blipFill>
+        <p:spPr bwMode="auto">
+          <a:xfrm>
+            <a:off x="1414236" y="3637947"/>
+            <a:ext cx="1619250" cy="1619250"/>
+          </a:xfrm>
+          <a:prstGeom prst="rect">
+            <a:avLst/>
+          </a:prstGeom>
+          <a:noFill/>
+          <a:extLst>
+            <a:ext uri="{909E8E84-426E-40DD-AFC4-6F175D3DCCD1}">
+              <a14:hiddenFill xmlns:a14="http://schemas.microsoft.com/office/drawing/2010/main">
+                <a:solidFill>
+                  <a:srgbClr val="FFFFFF"/>
+                </a:solidFill>
+              </a14:hiddenFill>
+            </a:ext>
+          </a:extLst>
+        </p:spPr>
+      </p:pic>
+      <p:pic>
+        <p:nvPicPr>
+          <p:cNvPr id="4104" name="Picture 8" descr="spring framework에 대한 이미지 검색결과"/>
+          <p:cNvPicPr>
+            <a:picLocks noChangeAspect="1" noChangeArrowheads="1"/>
+          </p:cNvPicPr>
+          <p:nvPr/>
+        </p:nvPicPr>
+        <p:blipFill>
+          <a:blip r:embed="rId7">
+            <a:extLst>
+              <a:ext uri="{28A0092B-C50C-407E-A947-70E740481C1C}">
+                <a14:useLocalDpi xmlns:a14="http://schemas.microsoft.com/office/drawing/2010/main" val="0"/>
+              </a:ext>
+            </a:extLst>
+          </a:blip>
+          <a:srcRect/>
+          <a:stretch>
+            <a:fillRect/>
+          </a:stretch>
+        </p:blipFill>
+        <p:spPr bwMode="auto">
+          <a:xfrm>
+            <a:off x="3442503" y="3727048"/>
+            <a:ext cx="1871481" cy="1871481"/>
+          </a:xfrm>
+          <a:prstGeom prst="rect">
+            <a:avLst/>
+          </a:prstGeom>
+          <a:noFill/>
+          <a:extLst>
+            <a:ext uri="{909E8E84-426E-40DD-AFC4-6F175D3DCCD1}">
+              <a14:hiddenFill xmlns:a14="http://schemas.microsoft.com/office/drawing/2010/main">
+                <a:solidFill>
+                  <a:srgbClr val="FFFFFF"/>
+                </a:solidFill>
+              </a14:hiddenFill>
+            </a:ext>
+          </a:extLst>
+        </p:spPr>
+      </p:pic>
+      <p:pic>
+        <p:nvPicPr>
+          <p:cNvPr id="4106" name="Picture 10" descr="netty에 대한 이미지 검색결과"/>
+          <p:cNvPicPr>
+            <a:picLocks noChangeAspect="1" noChangeArrowheads="1"/>
+          </p:cNvPicPr>
+          <p:nvPr/>
+        </p:nvPicPr>
+        <p:blipFill>
+          <a:blip r:embed="rId8">
+            <a:extLst>
+              <a:ext uri="{28A0092B-C50C-407E-A947-70E740481C1C}">
+                <a14:useLocalDpi xmlns:a14="http://schemas.microsoft.com/office/drawing/2010/main" val="0"/>
+              </a:ext>
+            </a:extLst>
+          </a:blip>
+          <a:srcRect/>
+          <a:stretch>
+            <a:fillRect/>
+          </a:stretch>
+        </p:blipFill>
+        <p:spPr bwMode="auto">
+          <a:xfrm>
+            <a:off x="7524750" y="786980"/>
+            <a:ext cx="3127232" cy="1558404"/>
+          </a:xfrm>
+          <a:prstGeom prst="rect">
+            <a:avLst/>
+          </a:prstGeom>
+          <a:noFill/>
+          <a:extLst>
+            <a:ext uri="{909E8E84-426E-40DD-AFC4-6F175D3DCCD1}">
+              <a14:hiddenFill xmlns:a14="http://schemas.microsoft.com/office/drawing/2010/main">
+                <a:solidFill>
+                  <a:srgbClr val="FFFFFF"/>
+                </a:solidFill>
+              </a14:hiddenFill>
+            </a:ext>
+          </a:extLst>
+        </p:spPr>
+      </p:pic>
+    </p:spTree>
+    <p:extLst>
+      <p:ext uri="{BB962C8B-B14F-4D97-AF65-F5344CB8AC3E}">
+        <p14:creationId xmlns:p14="http://schemas.microsoft.com/office/powerpoint/2010/main" val="49813175"/>
+      </p:ext>
+    </p:extLst>
+  </p:cSld>
+  <p:clrMapOvr>
+    <a:masterClrMapping/>
+  </p:clrMapOvr>
+</p:sld>
+</file>
+
+<file path=ppt/slides/slide6.xml><?xml version="1.0" encoding="utf-8"?>
+<p:sld xmlns:a="http://schemas.openxmlformats.org/drawingml/2006/main" xmlns:r="http://schemas.openxmlformats.org/officeDocument/2006/relationships" xmlns:p="http://schemas.openxmlformats.org/presentationml/2006/main">
+  <p:cSld>
+    <p:spTree>
+      <p:nvGrpSpPr>
+        <p:cNvPr id="1" name=""/>
+        <p:cNvGrpSpPr/>
+        <p:nvPr/>
+      </p:nvGrpSpPr>
+      <p:grpSpPr>
+        <a:xfrm>
+          <a:off x="0" y="0"/>
+          <a:ext cx="0" cy="0"/>
+          <a:chOff x="0" y="0"/>
+          <a:chExt cx="0" cy="0"/>
+        </a:xfrm>
+      </p:grpSpPr>
+    </p:spTree>
+    <p:extLst>
+      <p:ext uri="{BB962C8B-B14F-4D97-AF65-F5344CB8AC3E}">
+        <p14:creationId xmlns:p14="http://schemas.microsoft.com/office/powerpoint/2010/main" val="3287428376"/>
+      </p:ext>
+    </p:extLst>
+  </p:cSld>
+  <p:clrMapOvr>
+    <a:masterClrMapping/>
+  </p:clrMapOvr>
+</p:sld>
+</file>
+
+<file path=ppt/slides/slide7.xml><?xml version="1.0" encoding="utf-8"?>
 <p:sld xmlns:a="http://schemas.openxmlformats.org/drawingml/2006/main" xmlns:r="http://schemas.openxmlformats.org/officeDocument/2006/relationships" xmlns:p="http://schemas.openxmlformats.org/presentationml/2006/main">
   <p:cSld>
     <p:spTree>
@@ -3288,12 +4314,6 @@
                 </a:rPr>
                 <a:t>ho</a:t>
               </a:r>
-              <a:endParaRPr lang="en-US" altLang="ko-KR" sz="8800" dirty="0">
-                <a:solidFill>
-                  <a:schemeClr val="bg1"/>
-                </a:solidFill>
-                <a:latin typeface="BroadwayEngraved BT" pitchFamily="2" charset="0"/>
-              </a:endParaRPr>
             </a:p>
           </p:txBody>
         </p:sp>
@@ -3394,10 +4414,51 @@
           </a:prstGeom>
         </p:spPr>
       </p:pic>
+      <p:pic>
+        <p:nvPicPr>
+          <p:cNvPr id="2050" name="Picture 2" descr="ES6에 대한 이미지 검색결과"/>
+          <p:cNvPicPr>
+            <a:picLocks noChangeAspect="1" noChangeArrowheads="1"/>
+          </p:cNvPicPr>
+          <p:nvPr/>
+        </p:nvPicPr>
+        <p:blipFill>
+          <a:blip r:embed="rId3">
+            <a:extLst>
+              <a:ext uri="{28A0092B-C50C-407E-A947-70E740481C1C}">
+                <a14:useLocalDpi xmlns:a14="http://schemas.microsoft.com/office/drawing/2010/main" val="0"/>
+              </a:ext>
+            </a:extLst>
+          </a:blip>
+          <a:srcRect/>
+          <a:stretch>
+            <a:fillRect/>
+          </a:stretch>
+        </p:blipFill>
+        <p:spPr bwMode="auto">
+          <a:xfrm>
+            <a:off x="0" y="0"/>
+            <a:ext cx="12192000" cy="6858000"/>
+          </a:xfrm>
+          <a:prstGeom prst="rect">
+            <a:avLst/>
+          </a:prstGeom>
+          <a:noFill/>
+          <a:extLst>
+            <a:ext uri="{909E8E84-426E-40DD-AFC4-6F175D3DCCD1}">
+              <a14:hiddenFill xmlns:a14="http://schemas.microsoft.com/office/drawing/2010/main">
+                <a:solidFill>
+                  <a:srgbClr val="FFFFFF"/>
+                </a:solidFill>
+              </a14:hiddenFill>
+            </a:ext>
+          </a:extLst>
+        </p:spPr>
+      </p:pic>
     </p:spTree>
     <p:extLst>
       <p:ext uri="{BB962C8B-B14F-4D97-AF65-F5344CB8AC3E}">
-        <p14:creationId xmlns:p14="http://schemas.microsoft.com/office/powerpoint/2010/main" val="585176775"/>
+        <p14:creationId xmlns:p14="http://schemas.microsoft.com/office/powerpoint/2010/main" val="843464367"/>
       </p:ext>
     </p:extLst>
   </p:cSld>
@@ -3407,7 +4468,7 @@
 </p:sld>
 </file>
 
-<file path=ppt/slides/slide3.xml><?xml version="1.0" encoding="utf-8"?>
+<file path=ppt/slides/slide8.xml><?xml version="1.0" encoding="utf-8"?>
 <p:sld xmlns:a="http://schemas.openxmlformats.org/drawingml/2006/main" xmlns:r="http://schemas.openxmlformats.org/officeDocument/2006/relationships" xmlns:p="http://schemas.openxmlformats.org/presentationml/2006/main">
   <p:cSld>
     <p:spTree>
@@ -3424,6 +4485,131 @@
           <a:chExt cx="0" cy="0"/>
         </a:xfrm>
       </p:grpSpPr>
+      <p:grpSp>
+        <p:nvGrpSpPr>
+          <p:cNvPr id="2" name="그룹 1"/>
+          <p:cNvGrpSpPr/>
+          <p:nvPr/>
+        </p:nvGrpSpPr>
+        <p:grpSpPr>
+          <a:xfrm>
+            <a:off x="-2380067" y="-12763500"/>
+            <a:ext cx="16952134" cy="19621500"/>
+            <a:chOff x="-2380067" y="-12763500"/>
+            <a:chExt cx="16952134" cy="19621500"/>
+          </a:xfrm>
+        </p:grpSpPr>
+        <p:pic>
+          <p:nvPicPr>
+            <p:cNvPr id="1026" name="Picture 2" descr="관련 이미지"/>
+            <p:cNvPicPr>
+              <a:picLocks noChangeAspect="1" noChangeArrowheads="1"/>
+            </p:cNvPicPr>
+            <p:nvPr/>
+          </p:nvPicPr>
+          <p:blipFill rotWithShape="1">
+            <a:blip r:embed="rId2">
+              <a:extLst>
+                <a:ext uri="{BEBA8EAE-BF5A-486C-A8C5-ECC9F3942E4B}">
+                  <a14:imgProps xmlns:a14="http://schemas.microsoft.com/office/drawing/2010/main">
+                    <a14:imgLayer r:embed="rId3">
+                      <a14:imgEffect>
+                        <a14:backgroundRemoval t="5081" b="100000" l="10000" r="90000">
+                          <a14:foregroundMark x1="29753" y1="48499" x2="36790" y2="36721"/>
+                          <a14:foregroundMark x1="37407" y1="40185" x2="40247" y2="38106"/>
+                          <a14:foregroundMark x1="40247" y1="38799" x2="41481" y2="37413"/>
+                          <a14:foregroundMark x1="41481" y1="37413" x2="42469" y2="36721"/>
+                          <a14:foregroundMark x1="42222" y1="38568" x2="42593" y2="39723"/>
+                          <a14:foregroundMark x1="42593" y1="36721" x2="43086" y2="36028"/>
+                          <a14:foregroundMark x1="39877" y1="34642" x2="36049" y2="32102"/>
+                          <a14:foregroundMark x1="67160" y1="26097" x2="68148" y2="25866"/>
+                          <a14:foregroundMark x1="68889" y1="25866" x2="70864" y2="27021"/>
+                          <a14:foregroundMark x1="71358" y1="27714" x2="73580" y2="34180"/>
+                          <a14:foregroundMark x1="73580" y1="34180" x2="75926" y2="68360"/>
+                          <a14:foregroundMark x1="63580" y1="87298" x2="63333" y2="97460"/>
+                          <a14:foregroundMark x1="48025" y1="18476" x2="49506" y2="12933"/>
+                        </a14:backgroundRemoval>
+                      </a14:imgEffect>
+                    </a14:imgLayer>
+                  </a14:imgProps>
+                </a:ext>
+                <a:ext uri="{28A0092B-C50C-407E-A947-70E740481C1C}">
+                  <a14:useLocalDpi xmlns:a14="http://schemas.microsoft.com/office/drawing/2010/main" val="0"/>
+                </a:ext>
+              </a:extLst>
+            </a:blip>
+            <a:srcRect l="16873" t="2810" r="16873"/>
+            <a:stretch/>
+          </p:blipFill>
+          <p:spPr bwMode="auto">
+            <a:xfrm>
+              <a:off x="-1635933" y="-5136214"/>
+              <a:ext cx="15295592" cy="11994214"/>
+            </a:xfrm>
+            <a:prstGeom prst="rect">
+              <a:avLst/>
+            </a:prstGeom>
+            <a:noFill/>
+            <a:extLst>
+              <a:ext uri="{909E8E84-426E-40DD-AFC4-6F175D3DCCD1}">
+                <a14:hiddenFill xmlns:a14="http://schemas.microsoft.com/office/drawing/2010/main">
+                  <a:solidFill>
+                    <a:srgbClr val="FFFFFF"/>
+                  </a:solidFill>
+                </a14:hiddenFill>
+              </a:ext>
+            </a:extLst>
+          </p:spPr>
+        </p:pic>
+        <p:sp>
+          <p:nvSpPr>
+            <p:cNvPr id="3" name="직사각형 2"/>
+            <p:cNvSpPr/>
+            <p:nvPr/>
+          </p:nvSpPr>
+          <p:spPr>
+            <a:xfrm>
+              <a:off x="-2380067" y="-12763500"/>
+              <a:ext cx="16952134" cy="19621500"/>
+            </a:xfrm>
+            <a:prstGeom prst="rect">
+              <a:avLst/>
+            </a:prstGeom>
+            <a:solidFill>
+              <a:schemeClr val="tx1">
+                <a:alpha val="50000"/>
+              </a:schemeClr>
+            </a:solidFill>
+            <a:ln>
+              <a:noFill/>
+            </a:ln>
+          </p:spPr>
+          <p:style>
+            <a:lnRef idx="2">
+              <a:schemeClr val="accent1">
+                <a:shade val="50000"/>
+              </a:schemeClr>
+            </a:lnRef>
+            <a:fillRef idx="1">
+              <a:schemeClr val="accent1"/>
+            </a:fillRef>
+            <a:effectRef idx="0">
+              <a:schemeClr val="accent1"/>
+            </a:effectRef>
+            <a:fontRef idx="minor">
+              <a:schemeClr val="lt1"/>
+            </a:fontRef>
+          </p:style>
+          <p:txBody>
+            <a:bodyPr rtlCol="0" anchor="ctr"/>
+            <a:lstStyle/>
+            <a:p>
+              <a:pPr algn="ctr"/>
+              <a:endParaRPr lang="ko-KR" altLang="en-US"/>
+            </a:p>
+          </p:txBody>
+        </p:sp>
+      </p:grpSp>
     </p:spTree>
     <p:extLst>
       <p:ext uri="{BB962C8B-B14F-4D97-AF65-F5344CB8AC3E}">
@@ -3437,7 +4623,7 @@
 </p:sld>
 </file>
 
-<file path=ppt/slides/slide4.xml><?xml version="1.0" encoding="utf-8"?>
+<file path=ppt/slides/slide9.xml><?xml version="1.0" encoding="utf-8"?>
 <p:sld xmlns:a="http://schemas.openxmlformats.org/drawingml/2006/main" xmlns:r="http://schemas.openxmlformats.org/officeDocument/2006/relationships" xmlns:p="http://schemas.openxmlformats.org/presentationml/2006/main">
   <p:cSld>
     <p:spTree>
@@ -3580,499 +4766,6 @@
     <p:extLst>
       <p:ext uri="{BB962C8B-B14F-4D97-AF65-F5344CB8AC3E}">
         <p14:creationId xmlns:p14="http://schemas.microsoft.com/office/powerpoint/2010/main" val="879712484"/>
-      </p:ext>
-    </p:extLst>
-  </p:cSld>
-  <p:clrMapOvr>
-    <a:masterClrMapping/>
-  </p:clrMapOvr>
-</p:sld>
-</file>
-
-<file path=ppt/slides/slide5.xml><?xml version="1.0" encoding="utf-8"?>
-<p:sld xmlns:a="http://schemas.openxmlformats.org/drawingml/2006/main" xmlns:r="http://schemas.openxmlformats.org/officeDocument/2006/relationships" xmlns:p="http://schemas.openxmlformats.org/presentationml/2006/main">
-  <p:cSld>
-    <p:spTree>
-      <p:nvGrpSpPr>
-        <p:cNvPr id="1" name=""/>
-        <p:cNvGrpSpPr/>
-        <p:nvPr/>
-      </p:nvGrpSpPr>
-      <p:grpSpPr>
-        <a:xfrm>
-          <a:off x="0" y="0"/>
-          <a:ext cx="0" cy="0"/>
-          <a:chOff x="0" y="0"/>
-          <a:chExt cx="0" cy="0"/>
-        </a:xfrm>
-      </p:grpSpPr>
-      <p:grpSp>
-        <p:nvGrpSpPr>
-          <p:cNvPr id="10" name="그룹 9"/>
-          <p:cNvGrpSpPr/>
-          <p:nvPr/>
-        </p:nvGrpSpPr>
-        <p:grpSpPr>
-          <a:xfrm>
-            <a:off x="-2765439" y="-3215148"/>
-            <a:ext cx="17722878" cy="13288296"/>
-            <a:chOff x="1522671" y="0"/>
-            <a:chExt cx="9146658" cy="6858000"/>
-          </a:xfrm>
-        </p:grpSpPr>
-        <p:pic>
-          <p:nvPicPr>
-            <p:cNvPr id="8" name="그림 7"/>
-            <p:cNvPicPr>
-              <a:picLocks noChangeAspect="1"/>
-            </p:cNvPicPr>
-            <p:nvPr/>
-          </p:nvPicPr>
-          <p:blipFill>
-            <a:blip r:embed="rId2">
-              <a:extLst>
-                <a:ext uri="{28A0092B-C50C-407E-A947-70E740481C1C}">
-                  <a14:useLocalDpi xmlns:a14="http://schemas.microsoft.com/office/drawing/2010/main" val="0"/>
-                </a:ext>
-              </a:extLst>
-            </a:blip>
-            <a:stretch>
-              <a:fillRect/>
-            </a:stretch>
-          </p:blipFill>
-          <p:spPr>
-            <a:xfrm>
-              <a:off x="1522671" y="0"/>
-              <a:ext cx="9146658" cy="6858000"/>
-            </a:xfrm>
-            <a:prstGeom prst="rect">
-              <a:avLst/>
-            </a:prstGeom>
-            <a:ln>
-              <a:noFill/>
-            </a:ln>
-          </p:spPr>
-        </p:pic>
-        <p:sp>
-          <p:nvSpPr>
-            <p:cNvPr id="9" name="직사각형 8"/>
-            <p:cNvSpPr/>
-            <p:nvPr/>
-          </p:nvSpPr>
-          <p:spPr>
-            <a:xfrm flipV="1">
-              <a:off x="1522671" y="0"/>
-              <a:ext cx="9146658" cy="6858000"/>
-            </a:xfrm>
-            <a:prstGeom prst="rect">
-              <a:avLst/>
-            </a:prstGeom>
-            <a:solidFill>
-              <a:schemeClr val="tx1">
-                <a:alpha val="50000"/>
-              </a:schemeClr>
-            </a:solidFill>
-            <a:ln>
-              <a:noFill/>
-            </a:ln>
-          </p:spPr>
-          <p:style>
-            <a:lnRef idx="2">
-              <a:schemeClr val="accent1">
-                <a:shade val="50000"/>
-              </a:schemeClr>
-            </a:lnRef>
-            <a:fillRef idx="1">
-              <a:schemeClr val="accent1"/>
-            </a:fillRef>
-            <a:effectRef idx="0">
-              <a:schemeClr val="accent1"/>
-            </a:effectRef>
-            <a:fontRef idx="minor">
-              <a:schemeClr val="lt1"/>
-            </a:fontRef>
-          </p:style>
-          <p:txBody>
-            <a:bodyPr rtlCol="0" anchor="ctr"/>
-            <a:lstStyle/>
-            <a:p>
-              <a:pPr algn="ctr"/>
-              <a:endParaRPr lang="ko-KR" altLang="en-US" dirty="0"/>
-            </a:p>
-          </p:txBody>
-        </p:sp>
-      </p:grpSp>
-    </p:spTree>
-    <p:extLst>
-      <p:ext uri="{BB962C8B-B14F-4D97-AF65-F5344CB8AC3E}">
-        <p14:creationId xmlns:p14="http://schemas.microsoft.com/office/powerpoint/2010/main" val="3283394014"/>
-      </p:ext>
-    </p:extLst>
-  </p:cSld>
-  <p:clrMapOvr>
-    <a:masterClrMapping/>
-  </p:clrMapOvr>
-</p:sld>
-</file>
-
-<file path=ppt/slides/slide6.xml><?xml version="1.0" encoding="utf-8"?>
-<p:sld xmlns:a="http://schemas.openxmlformats.org/drawingml/2006/main" xmlns:r="http://schemas.openxmlformats.org/officeDocument/2006/relationships" xmlns:p="http://schemas.openxmlformats.org/presentationml/2006/main">
-  <p:cSld>
-    <p:spTree>
-      <p:nvGrpSpPr>
-        <p:cNvPr id="1" name=""/>
-        <p:cNvGrpSpPr/>
-        <p:nvPr/>
-      </p:nvGrpSpPr>
-      <p:grpSpPr>
-        <a:xfrm>
-          <a:off x="0" y="0"/>
-          <a:ext cx="0" cy="0"/>
-          <a:chOff x="0" y="0"/>
-          <a:chExt cx="0" cy="0"/>
-        </a:xfrm>
-      </p:grpSpPr>
-      <p:grpSp>
-        <p:nvGrpSpPr>
-          <p:cNvPr id="6" name="그룹 5"/>
-          <p:cNvGrpSpPr/>
-          <p:nvPr/>
-        </p:nvGrpSpPr>
-        <p:grpSpPr>
-          <a:xfrm>
-            <a:off x="-4741332" y="-2667000"/>
-            <a:ext cx="21674664" cy="12192000"/>
-            <a:chOff x="-4165599" y="-2343150"/>
-            <a:chExt cx="20523198" cy="11544300"/>
-          </a:xfrm>
-        </p:grpSpPr>
-        <p:pic>
-          <p:nvPicPr>
-            <p:cNvPr id="2" name="그림 1"/>
-            <p:cNvPicPr>
-              <a:picLocks noChangeAspect="1"/>
-            </p:cNvPicPr>
-            <p:nvPr/>
-          </p:nvPicPr>
-          <p:blipFill>
-            <a:blip r:embed="rId2"/>
-            <a:stretch>
-              <a:fillRect/>
-            </a:stretch>
-          </p:blipFill>
-          <p:spPr>
-            <a:xfrm>
-              <a:off x="-4165599" y="-2343150"/>
-              <a:ext cx="20523198" cy="11544300"/>
-            </a:xfrm>
-            <a:prstGeom prst="rect">
-              <a:avLst/>
-            </a:prstGeom>
-          </p:spPr>
-        </p:pic>
-        <p:sp>
-          <p:nvSpPr>
-            <p:cNvPr id="5" name="직사각형 4"/>
-            <p:cNvSpPr/>
-            <p:nvPr/>
-          </p:nvSpPr>
-          <p:spPr>
-            <a:xfrm flipV="1">
-              <a:off x="-4165599" y="-2343150"/>
-              <a:ext cx="20523198" cy="11544300"/>
-            </a:xfrm>
-            <a:prstGeom prst="rect">
-              <a:avLst/>
-            </a:prstGeom>
-            <a:solidFill>
-              <a:schemeClr val="tx1">
-                <a:alpha val="50000"/>
-              </a:schemeClr>
-            </a:solidFill>
-            <a:ln>
-              <a:noFill/>
-            </a:ln>
-          </p:spPr>
-          <p:style>
-            <a:lnRef idx="2">
-              <a:schemeClr val="accent1">
-                <a:shade val="50000"/>
-              </a:schemeClr>
-            </a:lnRef>
-            <a:fillRef idx="1">
-              <a:schemeClr val="accent1"/>
-            </a:fillRef>
-            <a:effectRef idx="0">
-              <a:schemeClr val="accent1"/>
-            </a:effectRef>
-            <a:fontRef idx="minor">
-              <a:schemeClr val="lt1"/>
-            </a:fontRef>
-          </p:style>
-          <p:txBody>
-            <a:bodyPr rtlCol="0" anchor="ctr"/>
-            <a:lstStyle/>
-            <a:p>
-              <a:pPr algn="ctr"/>
-              <a:endParaRPr lang="ko-KR" altLang="en-US"/>
-            </a:p>
-          </p:txBody>
-        </p:sp>
-      </p:grpSp>
-    </p:spTree>
-    <p:extLst>
-      <p:ext uri="{BB962C8B-B14F-4D97-AF65-F5344CB8AC3E}">
-        <p14:creationId xmlns:p14="http://schemas.microsoft.com/office/powerpoint/2010/main" val="3003860134"/>
-      </p:ext>
-    </p:extLst>
-  </p:cSld>
-  <p:clrMapOvr>
-    <a:masterClrMapping/>
-  </p:clrMapOvr>
-</p:sld>
-</file>
-
-<file path=ppt/slides/slide7.xml><?xml version="1.0" encoding="utf-8"?>
-<p:sld xmlns:a="http://schemas.openxmlformats.org/drawingml/2006/main" xmlns:r="http://schemas.openxmlformats.org/officeDocument/2006/relationships" xmlns:p="http://schemas.openxmlformats.org/presentationml/2006/main">
-  <p:cSld>
-    <p:spTree>
-      <p:nvGrpSpPr>
-        <p:cNvPr id="1" name=""/>
-        <p:cNvGrpSpPr/>
-        <p:nvPr/>
-      </p:nvGrpSpPr>
-      <p:grpSpPr>
-        <a:xfrm>
-          <a:off x="0" y="0"/>
-          <a:ext cx="0" cy="0"/>
-          <a:chOff x="0" y="0"/>
-          <a:chExt cx="0" cy="0"/>
-        </a:xfrm>
-      </p:grpSpPr>
-      <p:grpSp>
-        <p:nvGrpSpPr>
-          <p:cNvPr id="3" name="그룹 2"/>
-          <p:cNvGrpSpPr/>
-          <p:nvPr/>
-        </p:nvGrpSpPr>
-        <p:grpSpPr>
-          <a:xfrm>
-            <a:off x="-4248151" y="-3245559"/>
-            <a:ext cx="20688302" cy="13276094"/>
-            <a:chOff x="-3675591" y="-857250"/>
-            <a:chExt cx="16594390" cy="10648950"/>
-          </a:xfrm>
-        </p:grpSpPr>
-        <p:pic>
-          <p:nvPicPr>
-            <p:cNvPr id="2" name="그림 1"/>
-            <p:cNvPicPr>
-              <a:picLocks noChangeAspect="1"/>
-            </p:cNvPicPr>
-            <p:nvPr/>
-          </p:nvPicPr>
-          <p:blipFill rotWithShape="1">
-            <a:blip r:embed="rId2"/>
-            <a:srcRect t="12656" r="23439"/>
-            <a:stretch/>
-          </p:blipFill>
-          <p:spPr>
-            <a:xfrm>
-              <a:off x="-3675591" y="-857250"/>
-              <a:ext cx="16594390" cy="10648950"/>
-            </a:xfrm>
-            <a:prstGeom prst="rect">
-              <a:avLst/>
-            </a:prstGeom>
-          </p:spPr>
-        </p:pic>
-        <p:sp>
-          <p:nvSpPr>
-            <p:cNvPr id="5" name="직사각형 4"/>
-            <p:cNvSpPr/>
-            <p:nvPr/>
-          </p:nvSpPr>
-          <p:spPr>
-            <a:xfrm flipV="1">
-              <a:off x="-3675591" y="-857250"/>
-              <a:ext cx="16594390" cy="10648950"/>
-            </a:xfrm>
-            <a:prstGeom prst="rect">
-              <a:avLst/>
-            </a:prstGeom>
-            <a:solidFill>
-              <a:schemeClr val="tx1">
-                <a:alpha val="50000"/>
-              </a:schemeClr>
-            </a:solidFill>
-            <a:ln>
-              <a:noFill/>
-            </a:ln>
-          </p:spPr>
-          <p:style>
-            <a:lnRef idx="2">
-              <a:schemeClr val="accent1">
-                <a:shade val="50000"/>
-              </a:schemeClr>
-            </a:lnRef>
-            <a:fillRef idx="1">
-              <a:schemeClr val="accent1"/>
-            </a:fillRef>
-            <a:effectRef idx="0">
-              <a:schemeClr val="accent1"/>
-            </a:effectRef>
-            <a:fontRef idx="minor">
-              <a:schemeClr val="lt1"/>
-            </a:fontRef>
-          </p:style>
-          <p:txBody>
-            <a:bodyPr rtlCol="0" anchor="ctr"/>
-            <a:lstStyle/>
-            <a:p>
-              <a:pPr algn="ctr"/>
-              <a:endParaRPr lang="ko-KR" altLang="en-US"/>
-            </a:p>
-          </p:txBody>
-        </p:sp>
-      </p:grpSp>
-    </p:spTree>
-    <p:extLst>
-      <p:ext uri="{BB962C8B-B14F-4D97-AF65-F5344CB8AC3E}">
-        <p14:creationId xmlns:p14="http://schemas.microsoft.com/office/powerpoint/2010/main" val="601158673"/>
-      </p:ext>
-    </p:extLst>
-  </p:cSld>
-  <p:clrMapOvr>
-    <a:masterClrMapping/>
-  </p:clrMapOvr>
-</p:sld>
-</file>
-
-<file path=ppt/slides/slide8.xml><?xml version="1.0" encoding="utf-8"?>
-<p:sld xmlns:a="http://schemas.openxmlformats.org/drawingml/2006/main" xmlns:r="http://schemas.openxmlformats.org/officeDocument/2006/relationships" xmlns:p="http://schemas.openxmlformats.org/presentationml/2006/main">
-  <p:cSld>
-    <p:spTree>
-      <p:nvGrpSpPr>
-        <p:cNvPr id="1" name=""/>
-        <p:cNvGrpSpPr/>
-        <p:nvPr/>
-      </p:nvGrpSpPr>
-      <p:grpSpPr>
-        <a:xfrm>
-          <a:off x="0" y="0"/>
-          <a:ext cx="0" cy="0"/>
-          <a:chOff x="0" y="0"/>
-          <a:chExt cx="0" cy="0"/>
-        </a:xfrm>
-      </p:grpSpPr>
-      <p:grpSp>
-        <p:nvGrpSpPr>
-          <p:cNvPr id="2" name="그룹 1"/>
-          <p:cNvGrpSpPr/>
-          <p:nvPr/>
-        </p:nvGrpSpPr>
-        <p:grpSpPr>
-          <a:xfrm>
-            <a:off x="-4838700" y="-4810125"/>
-            <a:ext cx="21869400" cy="16403638"/>
-            <a:chOff x="-4838700" y="-4810125"/>
-            <a:chExt cx="21869400" cy="16403638"/>
-          </a:xfrm>
-        </p:grpSpPr>
-        <p:pic>
-          <p:nvPicPr>
-            <p:cNvPr id="1028" name="Picture 4" descr="자동 대체 텍스트를 사용할 수 없습니다."/>
-            <p:cNvPicPr>
-              <a:picLocks noChangeAspect="1" noChangeArrowheads="1"/>
-            </p:cNvPicPr>
-            <p:nvPr/>
-          </p:nvPicPr>
-          <p:blipFill>
-            <a:blip r:embed="rId2">
-              <a:extLst>
-                <a:ext uri="{28A0092B-C50C-407E-A947-70E740481C1C}">
-                  <a14:useLocalDpi xmlns:a14="http://schemas.microsoft.com/office/drawing/2010/main" val="0"/>
-                </a:ext>
-              </a:extLst>
-            </a:blip>
-            <a:srcRect/>
-            <a:stretch>
-              <a:fillRect/>
-            </a:stretch>
-          </p:blipFill>
-          <p:spPr bwMode="auto">
-            <a:xfrm>
-              <a:off x="-4838700" y="-4810125"/>
-              <a:ext cx="21869400" cy="16402050"/>
-            </a:xfrm>
-            <a:prstGeom prst="rect">
-              <a:avLst/>
-            </a:prstGeom>
-            <a:noFill/>
-            <a:extLst>
-              <a:ext uri="{909E8E84-426E-40DD-AFC4-6F175D3DCCD1}">
-                <a14:hiddenFill xmlns:a14="http://schemas.microsoft.com/office/drawing/2010/main">
-                  <a:solidFill>
-                    <a:srgbClr val="FFFFFF"/>
-                  </a:solidFill>
-                </a14:hiddenFill>
-              </a:ext>
-            </a:extLst>
-          </p:spPr>
-        </p:pic>
-        <p:sp>
-          <p:nvSpPr>
-            <p:cNvPr id="6" name="직사각형 5"/>
-            <p:cNvSpPr/>
-            <p:nvPr/>
-          </p:nvSpPr>
-          <p:spPr>
-            <a:xfrm flipV="1">
-              <a:off x="-4838700" y="-4808537"/>
-              <a:ext cx="21869399" cy="16402050"/>
-            </a:xfrm>
-            <a:prstGeom prst="rect">
-              <a:avLst/>
-            </a:prstGeom>
-            <a:solidFill>
-              <a:schemeClr val="tx1">
-                <a:alpha val="50000"/>
-              </a:schemeClr>
-            </a:solidFill>
-            <a:ln>
-              <a:noFill/>
-            </a:ln>
-          </p:spPr>
-          <p:style>
-            <a:lnRef idx="2">
-              <a:schemeClr val="accent1">
-                <a:shade val="50000"/>
-              </a:schemeClr>
-            </a:lnRef>
-            <a:fillRef idx="1">
-              <a:schemeClr val="accent1"/>
-            </a:fillRef>
-            <a:effectRef idx="0">
-              <a:schemeClr val="accent1"/>
-            </a:effectRef>
-            <a:fontRef idx="minor">
-              <a:schemeClr val="lt1"/>
-            </a:fontRef>
-          </p:style>
-          <p:txBody>
-            <a:bodyPr rtlCol="0" anchor="ctr"/>
-            <a:lstStyle/>
-            <a:p>
-              <a:pPr algn="ctr"/>
-              <a:endParaRPr lang="ko-KR" altLang="en-US" dirty="0"/>
-            </a:p>
-          </p:txBody>
-        </p:sp>
-      </p:grpSp>
-    </p:spTree>
-    <p:extLst>
-      <p:ext uri="{BB962C8B-B14F-4D97-AF65-F5344CB8AC3E}">
-        <p14:creationId xmlns:p14="http://schemas.microsoft.com/office/powerpoint/2010/main" val="389242269"/>
       </p:ext>
     </p:extLst>
   </p:cSld>
